--- a/3.0 Строки.pptx
+++ b/3.0 Строки.pptx
@@ -238,7 +238,7 @@
           <a:p>
             <a:fld id="{245D6BBE-FF37-4515-B796-D30B23A0C718}" type="datetimeFigureOut">
               <a:rPr lang="ru-RU" smtClean="0"/>
-              <a:t>11.11.2016</a:t>
+              <a:t>16.10.2022</a:t>
             </a:fld>
             <a:endParaRPr lang="ru-RU"/>
           </a:p>
@@ -634,7 +634,7 @@
           <a:p>
             <a:fld id="{7CD9CFFE-9B8E-4E6F-9C50-BF6CD17BA4CD}" type="datetimeFigureOut">
               <a:rPr lang="ru-RU" smtClean="0"/>
-              <a:t>11.11.2016</a:t>
+              <a:t>16.10.2022</a:t>
             </a:fld>
             <a:endParaRPr lang="ru-RU"/>
           </a:p>
@@ -802,7 +802,7 @@
           <a:p>
             <a:fld id="{7CD9CFFE-9B8E-4E6F-9C50-BF6CD17BA4CD}" type="datetimeFigureOut">
               <a:rPr lang="ru-RU" smtClean="0"/>
-              <a:t>11.11.2016</a:t>
+              <a:t>16.10.2022</a:t>
             </a:fld>
             <a:endParaRPr lang="ru-RU"/>
           </a:p>
@@ -980,7 +980,7 @@
           <a:p>
             <a:fld id="{7CD9CFFE-9B8E-4E6F-9C50-BF6CD17BA4CD}" type="datetimeFigureOut">
               <a:rPr lang="ru-RU" smtClean="0"/>
-              <a:t>11.11.2016</a:t>
+              <a:t>16.10.2022</a:t>
             </a:fld>
             <a:endParaRPr lang="ru-RU"/>
           </a:p>
@@ -1148,7 +1148,7 @@
           <a:p>
             <a:fld id="{7CD9CFFE-9B8E-4E6F-9C50-BF6CD17BA4CD}" type="datetimeFigureOut">
               <a:rPr lang="ru-RU" smtClean="0"/>
-              <a:t>11.11.2016</a:t>
+              <a:t>16.10.2022</a:t>
             </a:fld>
             <a:endParaRPr lang="ru-RU"/>
           </a:p>
@@ -1393,7 +1393,7 @@
           <a:p>
             <a:fld id="{7CD9CFFE-9B8E-4E6F-9C50-BF6CD17BA4CD}" type="datetimeFigureOut">
               <a:rPr lang="ru-RU" smtClean="0"/>
-              <a:t>11.11.2016</a:t>
+              <a:t>16.10.2022</a:t>
             </a:fld>
             <a:endParaRPr lang="ru-RU"/>
           </a:p>
@@ -1622,7 +1622,7 @@
           <a:p>
             <a:fld id="{7CD9CFFE-9B8E-4E6F-9C50-BF6CD17BA4CD}" type="datetimeFigureOut">
               <a:rPr lang="ru-RU" smtClean="0"/>
-              <a:t>11.11.2016</a:t>
+              <a:t>16.10.2022</a:t>
             </a:fld>
             <a:endParaRPr lang="ru-RU"/>
           </a:p>
@@ -1986,7 +1986,7 @@
           <a:p>
             <a:fld id="{7CD9CFFE-9B8E-4E6F-9C50-BF6CD17BA4CD}" type="datetimeFigureOut">
               <a:rPr lang="ru-RU" smtClean="0"/>
-              <a:t>11.11.2016</a:t>
+              <a:t>16.10.2022</a:t>
             </a:fld>
             <a:endParaRPr lang="ru-RU"/>
           </a:p>
@@ -2103,7 +2103,7 @@
           <a:p>
             <a:fld id="{7CD9CFFE-9B8E-4E6F-9C50-BF6CD17BA4CD}" type="datetimeFigureOut">
               <a:rPr lang="ru-RU" smtClean="0"/>
-              <a:t>11.11.2016</a:t>
+              <a:t>16.10.2022</a:t>
             </a:fld>
             <a:endParaRPr lang="ru-RU"/>
           </a:p>
@@ -2198,7 +2198,7 @@
           <a:p>
             <a:fld id="{7CD9CFFE-9B8E-4E6F-9C50-BF6CD17BA4CD}" type="datetimeFigureOut">
               <a:rPr lang="ru-RU" smtClean="0"/>
-              <a:t>11.11.2016</a:t>
+              <a:t>16.10.2022</a:t>
             </a:fld>
             <a:endParaRPr lang="ru-RU"/>
           </a:p>
@@ -2473,7 +2473,7 @@
           <a:p>
             <a:fld id="{7CD9CFFE-9B8E-4E6F-9C50-BF6CD17BA4CD}" type="datetimeFigureOut">
               <a:rPr lang="ru-RU" smtClean="0"/>
-              <a:t>11.11.2016</a:t>
+              <a:t>16.10.2022</a:t>
             </a:fld>
             <a:endParaRPr lang="ru-RU"/>
           </a:p>
@@ -2725,7 +2725,7 @@
           <a:p>
             <a:fld id="{7CD9CFFE-9B8E-4E6F-9C50-BF6CD17BA4CD}" type="datetimeFigureOut">
               <a:rPr lang="ru-RU" smtClean="0"/>
-              <a:t>11.11.2016</a:t>
+              <a:t>16.10.2022</a:t>
             </a:fld>
             <a:endParaRPr lang="ru-RU"/>
           </a:p>
@@ -2936,7 +2936,7 @@
           <a:p>
             <a:fld id="{7CD9CFFE-9B8E-4E6F-9C50-BF6CD17BA4CD}" type="datetimeFigureOut">
               <a:rPr lang="ru-RU" smtClean="0"/>
-              <a:t>11.11.2016</a:t>
+              <a:t>16.10.2022</a:t>
             </a:fld>
             <a:endParaRPr lang="ru-RU"/>
           </a:p>
@@ -3838,11 +3838,7 @@
             </a:r>
             <a:r>
               <a:rPr lang="en-US" dirty="0"/>
-              <a:t> </a:t>
-            </a:r>
-            <a:r>
-              <a:rPr lang="en-US" dirty="0"/>
-              <a:t>()</a:t>
+              <a:t> ()</a:t>
             </a:r>
             <a:r>
               <a:rPr lang="ru-RU" dirty="0"/>
@@ -3888,16 +3884,15 @@
           </p:cNvPicPr>
           <p:nvPr/>
         </p:nvPicPr>
-        <p:blipFill>
+        <p:blipFill rotWithShape="1">
           <a:blip r:embed="rId2"/>
-          <a:stretch>
-            <a:fillRect/>
-          </a:stretch>
+          <a:srcRect t="14004"/>
+          <a:stretch/>
         </p:blipFill>
         <p:spPr>
           <a:xfrm>
-            <a:off x="4709584" y="2197629"/>
-            <a:ext cx="7124700" cy="3038475"/>
+            <a:off x="4709584" y="2623127"/>
+            <a:ext cx="7124700" cy="2612977"/>
           </a:xfrm>
           <a:prstGeom prst="rect">
             <a:avLst/>
@@ -4996,7 +4991,6 @@
               <a:rPr lang="ru-RU" dirty="0"/>
               <a:t> и строку и возвращает удовлетворяющие шаблону строки</a:t>
             </a:r>
-            <a:endParaRPr lang="ru-RU" dirty="0"/>
           </a:p>
         </p:txBody>
       </p:sp>
